--- a/FUNCTIONAL_JAVA/stream/JAVA_8_Stream.pptx
+++ b/FUNCTIONAL_JAVA/stream/JAVA_8_Stream.pptx
@@ -238,7 +238,7 @@
           <a:p>
             <a:fld id="{95D3E8AB-F0C9-4B99-B182-CA13B8DFCD91}" type="datetimeFigureOut">
               <a:rPr lang="en-IN" smtClean="0"/>
-              <a:t>21-09-2016</a:t>
+              <a:t>18-10-2016</a:t>
             </a:fld>
             <a:endParaRPr lang="en-IN"/>
           </a:p>
@@ -507,6 +507,174 @@
 </file>
 
 <file path=ppt/notesSlides/notesSlide1.xml><?xml version="1.0" encoding="utf-8"?>
+<p:notes xmlns:a="http://schemas.openxmlformats.org/drawingml/2006/main" xmlns:r="http://schemas.openxmlformats.org/officeDocument/2006/relationships" xmlns:p="http://schemas.openxmlformats.org/presentationml/2006/main">
+  <p:cSld>
+    <p:spTree>
+      <p:nvGrpSpPr>
+        <p:cNvPr id="1" name=""/>
+        <p:cNvGrpSpPr/>
+        <p:nvPr/>
+      </p:nvGrpSpPr>
+      <p:grpSpPr>
+        <a:xfrm>
+          <a:off x="0" y="0"/>
+          <a:ext cx="0" cy="0"/>
+          <a:chOff x="0" y="0"/>
+          <a:chExt cx="0" cy="0"/>
+        </a:xfrm>
+      </p:grpSpPr>
+      <p:sp>
+        <p:nvSpPr>
+          <p:cNvPr id="2" name="Slide Image Placeholder 1"/>
+          <p:cNvSpPr>
+            <a:spLocks noGrp="1" noRot="1" noChangeAspect="1"/>
+          </p:cNvSpPr>
+          <p:nvPr>
+            <p:ph type="sldImg"/>
+          </p:nvPr>
+        </p:nvSpPr>
+        <p:spPr/>
+      </p:sp>
+      <p:sp>
+        <p:nvSpPr>
+          <p:cNvPr id="3" name="Notes Placeholder 2"/>
+          <p:cNvSpPr>
+            <a:spLocks noGrp="1"/>
+          </p:cNvSpPr>
+          <p:nvPr>
+            <p:ph type="body" idx="1"/>
+          </p:nvPr>
+        </p:nvSpPr>
+        <p:spPr/>
+        <p:txBody>
+          <a:bodyPr/>
+          <a:lstStyle/>
+          <a:p>
+            <a:endParaRPr lang="en-IN" dirty="0"/>
+          </a:p>
+        </p:txBody>
+      </p:sp>
+      <p:sp>
+        <p:nvSpPr>
+          <p:cNvPr id="4" name="Slide Number Placeholder 3"/>
+          <p:cNvSpPr>
+            <a:spLocks noGrp="1"/>
+          </p:cNvSpPr>
+          <p:nvPr>
+            <p:ph type="sldNum" sz="quarter" idx="10"/>
+          </p:nvPr>
+        </p:nvSpPr>
+        <p:spPr/>
+        <p:txBody>
+          <a:bodyPr/>
+          <a:lstStyle/>
+          <a:p>
+            <a:fld id="{670107EC-BA67-42D0-962B-86F1A3093E63}" type="slidenum">
+              <a:rPr lang="en-IN" smtClean="0"/>
+              <a:t>2</a:t>
+            </a:fld>
+            <a:endParaRPr lang="en-IN"/>
+          </a:p>
+        </p:txBody>
+      </p:sp>
+    </p:spTree>
+    <p:extLst>
+      <p:ext uri="{BB962C8B-B14F-4D97-AF65-F5344CB8AC3E}">
+        <p14:creationId xmlns:p14="http://schemas.microsoft.com/office/powerpoint/2010/main" val="539123174"/>
+      </p:ext>
+    </p:extLst>
+  </p:cSld>
+  <p:clrMapOvr>
+    <a:masterClrMapping/>
+  </p:clrMapOvr>
+</p:notes>
+</file>
+
+<file path=ppt/notesSlides/notesSlide2.xml><?xml version="1.0" encoding="utf-8"?>
+<p:notes xmlns:a="http://schemas.openxmlformats.org/drawingml/2006/main" xmlns:r="http://schemas.openxmlformats.org/officeDocument/2006/relationships" xmlns:p="http://schemas.openxmlformats.org/presentationml/2006/main">
+  <p:cSld>
+    <p:spTree>
+      <p:nvGrpSpPr>
+        <p:cNvPr id="1" name=""/>
+        <p:cNvGrpSpPr/>
+        <p:nvPr/>
+      </p:nvGrpSpPr>
+      <p:grpSpPr>
+        <a:xfrm>
+          <a:off x="0" y="0"/>
+          <a:ext cx="0" cy="0"/>
+          <a:chOff x="0" y="0"/>
+          <a:chExt cx="0" cy="0"/>
+        </a:xfrm>
+      </p:grpSpPr>
+      <p:sp>
+        <p:nvSpPr>
+          <p:cNvPr id="2" name="Slide Image Placeholder 1"/>
+          <p:cNvSpPr>
+            <a:spLocks noGrp="1" noRot="1" noChangeAspect="1"/>
+          </p:cNvSpPr>
+          <p:nvPr>
+            <p:ph type="sldImg"/>
+          </p:nvPr>
+        </p:nvSpPr>
+        <p:spPr/>
+      </p:sp>
+      <p:sp>
+        <p:nvSpPr>
+          <p:cNvPr id="3" name="Notes Placeholder 2"/>
+          <p:cNvSpPr>
+            <a:spLocks noGrp="1"/>
+          </p:cNvSpPr>
+          <p:nvPr>
+            <p:ph type="body" idx="1"/>
+          </p:nvPr>
+        </p:nvSpPr>
+        <p:spPr/>
+        <p:txBody>
+          <a:bodyPr/>
+          <a:lstStyle/>
+          <a:p>
+            <a:endParaRPr lang="en-IN" dirty="0"/>
+          </a:p>
+        </p:txBody>
+      </p:sp>
+      <p:sp>
+        <p:nvSpPr>
+          <p:cNvPr id="4" name="Slide Number Placeholder 3"/>
+          <p:cNvSpPr>
+            <a:spLocks noGrp="1"/>
+          </p:cNvSpPr>
+          <p:nvPr>
+            <p:ph type="sldNum" sz="quarter" idx="10"/>
+          </p:nvPr>
+        </p:nvSpPr>
+        <p:spPr/>
+        <p:txBody>
+          <a:bodyPr/>
+          <a:lstStyle/>
+          <a:p>
+            <a:fld id="{670107EC-BA67-42D0-962B-86F1A3093E63}" type="slidenum">
+              <a:rPr lang="en-IN" smtClean="0"/>
+              <a:t>3</a:t>
+            </a:fld>
+            <a:endParaRPr lang="en-IN"/>
+          </a:p>
+        </p:txBody>
+      </p:sp>
+    </p:spTree>
+    <p:extLst>
+      <p:ext uri="{BB962C8B-B14F-4D97-AF65-F5344CB8AC3E}">
+        <p14:creationId xmlns:p14="http://schemas.microsoft.com/office/powerpoint/2010/main" val="2341161277"/>
+      </p:ext>
+    </p:extLst>
+  </p:cSld>
+  <p:clrMapOvr>
+    <a:masterClrMapping/>
+  </p:clrMapOvr>
+</p:notes>
+</file>
+
+<file path=ppt/notesSlides/notesSlide3.xml><?xml version="1.0" encoding="utf-8"?>
 <p:notes xmlns:a="http://schemas.openxmlformats.org/drawingml/2006/main" xmlns:r="http://schemas.openxmlformats.org/officeDocument/2006/relationships" xmlns:p="http://schemas.openxmlformats.org/presentationml/2006/main">
   <p:cSld>
     <p:spTree>
@@ -1312,7 +1480,7 @@
           <a:p>
             <a:fld id="{F86CBA45-3A19-4CC7-80C7-77B5A847FEA0}" type="datetimeFigureOut">
               <a:rPr lang="en-IN" smtClean="0"/>
-              <a:t>21-09-2016</a:t>
+              <a:t>18-10-2016</a:t>
             </a:fld>
             <a:endParaRPr lang="en-IN"/>
           </a:p>
@@ -1563,7 +1731,7 @@
           <a:p>
             <a:fld id="{F86CBA45-3A19-4CC7-80C7-77B5A847FEA0}" type="datetimeFigureOut">
               <a:rPr lang="en-IN" smtClean="0"/>
-              <a:t>21-09-2016</a:t>
+              <a:t>18-10-2016</a:t>
             </a:fld>
             <a:endParaRPr lang="en-IN"/>
           </a:p>
@@ -1877,7 +2045,7 @@
           <a:p>
             <a:fld id="{F86CBA45-3A19-4CC7-80C7-77B5A847FEA0}" type="datetimeFigureOut">
               <a:rPr lang="en-IN" smtClean="0"/>
-              <a:t>21-09-2016</a:t>
+              <a:t>18-10-2016</a:t>
             </a:fld>
             <a:endParaRPr lang="en-IN"/>
           </a:p>
@@ -2218,7 +2386,7 @@
           <a:p>
             <a:fld id="{F86CBA45-3A19-4CC7-80C7-77B5A847FEA0}" type="datetimeFigureOut">
               <a:rPr lang="en-IN" smtClean="0"/>
-              <a:t>21-09-2016</a:t>
+              <a:t>18-10-2016</a:t>
             </a:fld>
             <a:endParaRPr lang="en-IN"/>
           </a:p>
@@ -2532,7 +2700,7 @@
           <a:p>
             <a:fld id="{F86CBA45-3A19-4CC7-80C7-77B5A847FEA0}" type="datetimeFigureOut">
               <a:rPr lang="en-IN" smtClean="0"/>
-              <a:t>21-09-2016</a:t>
+              <a:t>18-10-2016</a:t>
             </a:fld>
             <a:endParaRPr lang="en-IN"/>
           </a:p>
@@ -2925,7 +3093,7 @@
           <a:p>
             <a:fld id="{F86CBA45-3A19-4CC7-80C7-77B5A847FEA0}" type="datetimeFigureOut">
               <a:rPr lang="en-IN" smtClean="0"/>
-              <a:t>21-09-2016</a:t>
+              <a:t>18-10-2016</a:t>
             </a:fld>
             <a:endParaRPr lang="en-IN"/>
           </a:p>
@@ -3095,7 +3263,7 @@
           <a:p>
             <a:fld id="{F86CBA45-3A19-4CC7-80C7-77B5A847FEA0}" type="datetimeFigureOut">
               <a:rPr lang="en-IN" smtClean="0"/>
-              <a:t>21-09-2016</a:t>
+              <a:t>18-10-2016</a:t>
             </a:fld>
             <a:endParaRPr lang="en-IN"/>
           </a:p>
@@ -3275,7 +3443,7 @@
           <a:p>
             <a:fld id="{F86CBA45-3A19-4CC7-80C7-77B5A847FEA0}" type="datetimeFigureOut">
               <a:rPr lang="en-IN" smtClean="0"/>
-              <a:t>21-09-2016</a:t>
+              <a:t>18-10-2016</a:t>
             </a:fld>
             <a:endParaRPr lang="en-IN"/>
           </a:p>
@@ -3451,7 +3619,7 @@
           <a:p>
             <a:fld id="{F86CBA45-3A19-4CC7-80C7-77B5A847FEA0}" type="datetimeFigureOut">
               <a:rPr lang="en-IN" smtClean="0"/>
-              <a:t>21-09-2016</a:t>
+              <a:t>18-10-2016</a:t>
             </a:fld>
             <a:endParaRPr lang="en-IN"/>
           </a:p>
@@ -3698,7 +3866,7 @@
           <a:p>
             <a:fld id="{F86CBA45-3A19-4CC7-80C7-77B5A847FEA0}" type="datetimeFigureOut">
               <a:rPr lang="en-IN" smtClean="0"/>
-              <a:t>21-09-2016</a:t>
+              <a:t>18-10-2016</a:t>
             </a:fld>
             <a:endParaRPr lang="en-IN"/>
           </a:p>
@@ -3930,7 +4098,7 @@
           <a:p>
             <a:fld id="{F86CBA45-3A19-4CC7-80C7-77B5A847FEA0}" type="datetimeFigureOut">
               <a:rPr lang="en-IN" smtClean="0"/>
-              <a:t>21-09-2016</a:t>
+              <a:t>18-10-2016</a:t>
             </a:fld>
             <a:endParaRPr lang="en-IN"/>
           </a:p>
@@ -4304,7 +4472,7 @@
           <a:p>
             <a:fld id="{F86CBA45-3A19-4CC7-80C7-77B5A847FEA0}" type="datetimeFigureOut">
               <a:rPr lang="en-IN" smtClean="0"/>
-              <a:t>21-09-2016</a:t>
+              <a:t>18-10-2016</a:t>
             </a:fld>
             <a:endParaRPr lang="en-IN"/>
           </a:p>
@@ -4427,7 +4595,7 @@
           <a:p>
             <a:fld id="{F86CBA45-3A19-4CC7-80C7-77B5A847FEA0}" type="datetimeFigureOut">
               <a:rPr lang="en-IN" smtClean="0"/>
-              <a:t>21-09-2016</a:t>
+              <a:t>18-10-2016</a:t>
             </a:fld>
             <a:endParaRPr lang="en-IN"/>
           </a:p>
@@ -4522,7 +4690,7 @@
           <a:p>
             <a:fld id="{F86CBA45-3A19-4CC7-80C7-77B5A847FEA0}" type="datetimeFigureOut">
               <a:rPr lang="en-IN" smtClean="0"/>
-              <a:t>21-09-2016</a:t>
+              <a:t>18-10-2016</a:t>
             </a:fld>
             <a:endParaRPr lang="en-IN"/>
           </a:p>
@@ -4777,7 +4945,7 @@
           <a:p>
             <a:fld id="{F86CBA45-3A19-4CC7-80C7-77B5A847FEA0}" type="datetimeFigureOut">
               <a:rPr lang="en-IN" smtClean="0"/>
-              <a:t>21-09-2016</a:t>
+              <a:t>18-10-2016</a:t>
             </a:fld>
             <a:endParaRPr lang="en-IN"/>
           </a:p>
@@ -5040,7 +5208,7 @@
           <a:p>
             <a:fld id="{F86CBA45-3A19-4CC7-80C7-77B5A847FEA0}" type="datetimeFigureOut">
               <a:rPr lang="en-IN" smtClean="0"/>
-              <a:t>21-09-2016</a:t>
+              <a:t>18-10-2016</a:t>
             </a:fld>
             <a:endParaRPr lang="en-IN"/>
           </a:p>
@@ -5783,7 +5951,7 @@
           <a:p>
             <a:fld id="{F86CBA45-3A19-4CC7-80C7-77B5A847FEA0}" type="datetimeFigureOut">
               <a:rPr lang="en-IN" smtClean="0"/>
-              <a:t>21-09-2016</a:t>
+              <a:t>18-10-2016</a:t>
             </a:fld>
             <a:endParaRPr lang="en-IN"/>
           </a:p>
@@ -12411,51 +12579,23 @@
         </p:spPr>
         <p:txBody>
           <a:bodyPr>
-            <a:normAutofit fontScale="62500" lnSpcReduction="20000"/>
+            <a:normAutofit fontScale="77500" lnSpcReduction="20000"/>
           </a:bodyPr>
           <a:lstStyle/>
           <a:p>
             <a:r>
-              <a:rPr lang="en-IN" dirty="0"/>
-              <a:t>Streams are an update to the Java API that lets you manipulate collections of data in a declarative way </a:t>
-            </a:r>
-            <a:r>
-              <a:rPr lang="en-IN" dirty="0" smtClean="0"/>
-              <a:t>. Internal iteration.</a:t>
-            </a:r>
-          </a:p>
-          <a:p>
-            <a:r>
-              <a:rPr lang="en-IN" dirty="0"/>
-              <a:t>A stream represents a sequence of elements and supports different kind of operations to perform computations upon those elements</a:t>
-            </a:r>
-            <a:r>
-              <a:rPr lang="en-IN" dirty="0" smtClean="0"/>
-              <a:t>: (Monads)</a:t>
-            </a:r>
-          </a:p>
-          <a:p>
-            <a:r>
-              <a:rPr lang="en-IN" dirty="0"/>
-              <a:t> Many stream operations return a stream themselves. This allows operations to be chained to form a larger pipeline</a:t>
-            </a:r>
-            <a:endParaRPr lang="en-IN" dirty="0" smtClean="0"/>
-          </a:p>
-          <a:p>
-            <a:r>
-              <a:rPr lang="en-IN" dirty="0" smtClean="0"/>
-              <a:t>Stream operations are either intermediate or terminal. Intermediate operations return a stream so we can chain multiple intermediate operations without using semicolons. Terminal operations are either void or return a non-stream result.</a:t>
-            </a:r>
-            <a:endParaRPr lang="en-IN" dirty="0" smtClean="0"/>
-          </a:p>
-          <a:p>
-            <a:r>
-              <a:rPr lang="en-IN" dirty="0" smtClean="0"/>
-              <a:t>Thecentralideabehindstreamsislazyevaluation:novalueisevercomputeduntil </a:t>
-            </a:r>
-            <a:r>
-              <a:rPr lang="en-IN" dirty="0" smtClean="0"/>
-              <a:t>it is </a:t>
+              <a:rPr lang="en-IN" dirty="0" smtClean="0"/>
+              <a:t>Stream </a:t>
+            </a:r>
+            <a:r>
+              <a:rPr lang="en-IN" dirty="0" smtClean="0"/>
+              <a:t>operations are either intermediate or terminal. Intermediate operations return a stream so we can chain multiple intermediate operations without using semicolons. Terminal operations are either void or return a non-stream result.</a:t>
+            </a:r>
+          </a:p>
+          <a:p>
+            <a:r>
+              <a:rPr lang="en-IN" dirty="0" smtClean="0"/>
+              <a:t>Thecentralideabehindstreamsislazyevaluation:novalueisevercomputeduntil it is </a:t>
             </a:r>
             <a:r>
               <a:rPr lang="en-IN" dirty="0"/>
@@ -12557,9 +12697,8 @@
           <a:p>
             <a:r>
               <a:rPr lang="en-IN" dirty="0"/>
-              <a:t> collections are about data and streams are about computations.</a:t>
-            </a:r>
-            <a:endParaRPr lang="en-IN" dirty="0"/>
+              <a:t> </a:t>
+            </a:r>
           </a:p>
         </p:txBody>
       </p:sp>
@@ -13442,11 +13581,7 @@
           <a:p>
             <a:r>
               <a:rPr lang="en-IN" dirty="0" smtClean="0"/>
-              <a:t>Collect is mutable and modify existing value in each step of reduction</a:t>
-            </a:r>
-            <a:r>
-              <a:rPr lang="en-IN" dirty="0" smtClean="0"/>
-              <a:t>.</a:t>
+              <a:t>Collect is mutable and modify existing value in each step of reduction.</a:t>
             </a:r>
           </a:p>
           <a:p>
@@ -13474,13 +13609,8 @@
             </a:r>
             <a:r>
               <a:rPr lang="en-IN" dirty="0" smtClean="0"/>
-              <a:t> example </a:t>
-            </a:r>
-            <a:r>
-              <a:rPr lang="en-IN" dirty="0" smtClean="0"/>
-              <a:t>reduce.</a:t>
-            </a:r>
-            <a:endParaRPr lang="en-IN" dirty="0" smtClean="0"/>
+              <a:t> example reduce.</a:t>
+            </a:r>
           </a:p>
           <a:p>
             <a:endParaRPr lang="en-IN" dirty="0" smtClean="0"/>
@@ -16706,64 +16836,18 @@
         <p:spPr/>
         <p:txBody>
           <a:bodyPr>
-            <a:normAutofit fontScale="92500" lnSpcReduction="20000"/>
+            <a:normAutofit/>
           </a:bodyPr>
           <a:lstStyle/>
           <a:p>
             <a:r>
-              <a:rPr lang="en-IN" dirty="0"/>
-              <a:t>Streams can represent a sequence of infinite elements</a:t>
-            </a:r>
-            <a:r>
-              <a:rPr lang="en-IN" dirty="0" smtClean="0"/>
-              <a:t>.</a:t>
-            </a:r>
-            <a:r>
-              <a:rPr lang="en-IN" dirty="0"/>
-              <a:t>	</a:t>
+              <a:rPr lang="en-IN" dirty="0" smtClean="0"/>
+              <a:t> </a:t>
             </a:r>
             <a:endParaRPr lang="en-IN" dirty="0" smtClean="0"/>
           </a:p>
           <a:p>
             <a:r>
-              <a:rPr lang="en-IN" dirty="0" smtClean="0"/>
-              <a:t>The </a:t>
-            </a:r>
-            <a:r>
-              <a:rPr lang="en-IN" dirty="0"/>
-              <a:t>design of streams is based on internal iteration</a:t>
-            </a:r>
-            <a:r>
-              <a:rPr lang="en-IN" dirty="0" smtClean="0"/>
-              <a:t>.</a:t>
-            </a:r>
-          </a:p>
-          <a:p>
-            <a:r>
-              <a:rPr lang="en-IN" dirty="0"/>
-              <a:t>	Streams are designed to be processed in parallel with no additional work from the developers</a:t>
-            </a:r>
-            <a:r>
-              <a:rPr lang="en-IN" dirty="0" smtClean="0"/>
-              <a:t>.</a:t>
-            </a:r>
-          </a:p>
-          <a:p>
-            <a:r>
-              <a:rPr lang="en-IN" dirty="0" smtClean="0"/>
-              <a:t>Streams </a:t>
-            </a:r>
-            <a:r>
-              <a:rPr lang="en-IN" dirty="0"/>
-              <a:t>are designed to support functional </a:t>
-            </a:r>
-            <a:r>
-              <a:rPr lang="en-IN" dirty="0" smtClean="0"/>
-              <a:t>programming.</a:t>
-            </a:r>
-          </a:p>
-          <a:p>
-            <a:r>
               <a:rPr lang="en-IN" dirty="0"/>
               <a:t>Streams support lazy operations.(This means they are not executed until their result is needed. For example, if you only ask for the ﬁrst ﬁve long words instead of counting them all, then the filter method will stop ﬁltering after the ﬁfth match.)</a:t>
             </a:r>
@@ -16771,50 +16855,10 @@
           </a:p>
           <a:p>
             <a:r>
-              <a:rPr lang="en-IN" dirty="0"/>
-              <a:t>	Streams can be ordered or unordered</a:t>
-            </a:r>
-            <a:r>
-              <a:rPr lang="en-IN" dirty="0" smtClean="0"/>
-              <a:t>.</a:t>
-            </a:r>
-          </a:p>
-          <a:p>
-            <a:r>
-              <a:rPr lang="en-IN" dirty="0"/>
-              <a:t>	Streams cannot be </a:t>
-            </a:r>
-            <a:r>
-              <a:rPr lang="en-IN" dirty="0" smtClean="0"/>
-              <a:t>reused</a:t>
-            </a:r>
-            <a:r>
-              <a:rPr lang="en-IN" dirty="0"/>
-              <a:t>. </a:t>
-            </a:r>
-            <a:r>
-              <a:rPr lang="en-IN" dirty="0" smtClean="0"/>
-              <a:t>You </a:t>
-            </a:r>
-            <a:r>
-              <a:rPr lang="en-IN" dirty="0"/>
-              <a:t>can </a:t>
-            </a:r>
-            <a:r>
-              <a:rPr lang="en-IN" dirty="0" smtClean="0"/>
-              <a:t>consume/iterate </a:t>
-            </a:r>
-            <a:r>
-              <a:rPr lang="en-IN" dirty="0"/>
-              <a:t>a stream only once!</a:t>
-            </a:r>
-            <a:endParaRPr lang="en-IN" dirty="0" smtClean="0"/>
-          </a:p>
-          <a:p>
-            <a:r>
-              <a:rPr lang="en-IN" dirty="0"/>
-              <a:t>Stream operations don’t mutate their source. Instead, they return new streams that hold the result. </a:t>
-            </a:r>
+              <a:rPr lang="en-IN" smtClean="0"/>
+              <a:t> </a:t>
+            </a:r>
+            <a:endParaRPr lang="en-IN" dirty="0"/>
           </a:p>
         </p:txBody>
       </p:sp>
@@ -21714,10 +21758,6 @@
             <a:r>
               <a:rPr lang="en-IN" dirty="0"/>
               <a:t> Short Circuit methods ends the stream processing as soon as their conditions are satisfied.</a:t>
-            </a:r>
-            <a:r>
-              <a:rPr lang="en-IN" dirty="0"/>
-              <a:t/>
             </a:r>
             <a:br>
               <a:rPr lang="en-IN" dirty="0"/>
